--- a/Reading 48.pptx
+++ b/Reading 48.pptx
@@ -24,6 +24,9 @@
     <p:sldId id="275" r:id="rId18"/>
     <p:sldId id="276" r:id="rId19"/>
     <p:sldId id="277" r:id="rId20"/>
+    <p:sldId id="278" r:id="rId21"/>
+    <p:sldId id="279" r:id="rId22"/>
+    <p:sldId id="280" r:id="rId23"/>
   </p:sldIdLst>
   <p:sldSz cx="12192000" cy="6858000"/>
   <p:notesSz cx="6858000" cy="9144000"/>
@@ -853,7 +856,7 @@
             <a:fld id="{B61BEF0D-F0BB-DE4B-95CE-6DB70DBA9567}" type="datetimeFigureOut">
               <a:rPr lang="en-US" smtClean="0"/>
               <a:pPr/>
-              <a:t>10/21/2021</a:t>
+              <a:t>10/25/2021</a:t>
             </a:fld>
             <a:endParaRPr lang="en-US" dirty="0"/>
           </a:p>
@@ -1106,7 +1109,7 @@
             <a:fld id="{B61BEF0D-F0BB-DE4B-95CE-6DB70DBA9567}" type="datetimeFigureOut">
               <a:rPr lang="en-US" smtClean="0"/>
               <a:pPr/>
-              <a:t>10/21/2021</a:t>
+              <a:t>10/25/2021</a:t>
             </a:fld>
             <a:endParaRPr lang="en-US" dirty="0"/>
           </a:p>
@@ -1422,7 +1425,7 @@
             <a:fld id="{B61BEF0D-F0BB-DE4B-95CE-6DB70DBA9567}" type="datetimeFigureOut">
               <a:rPr lang="en-US" smtClean="0"/>
               <a:pPr/>
-              <a:t>10/21/2021</a:t>
+              <a:t>10/25/2021</a:t>
             </a:fld>
             <a:endParaRPr lang="en-US" dirty="0"/>
           </a:p>
@@ -1765,7 +1768,7 @@
             <a:fld id="{B61BEF0D-F0BB-DE4B-95CE-6DB70DBA9567}" type="datetimeFigureOut">
               <a:rPr lang="en-US" smtClean="0"/>
               <a:pPr/>
-              <a:t>10/21/2021</a:t>
+              <a:t>10/25/2021</a:t>
             </a:fld>
             <a:endParaRPr lang="en-US" dirty="0"/>
           </a:p>
@@ -2081,7 +2084,7 @@
             <a:fld id="{B61BEF0D-F0BB-DE4B-95CE-6DB70DBA9567}" type="datetimeFigureOut">
               <a:rPr lang="en-US" smtClean="0"/>
               <a:pPr/>
-              <a:t>10/21/2021</a:t>
+              <a:t>10/25/2021</a:t>
             </a:fld>
             <a:endParaRPr lang="en-US" dirty="0"/>
           </a:p>
@@ -2476,7 +2479,7 @@
             <a:fld id="{B61BEF0D-F0BB-DE4B-95CE-6DB70DBA9567}" type="datetimeFigureOut">
               <a:rPr lang="en-US" smtClean="0"/>
               <a:pPr/>
-              <a:t>10/21/2021</a:t>
+              <a:t>10/25/2021</a:t>
             </a:fld>
             <a:endParaRPr lang="en-US" dirty="0"/>
           </a:p>
@@ -2647,7 +2650,7 @@
           <a:p>
             <a:fld id="{55C6B4A9-1611-4792-9094-5F34BCA07E0B}" type="datetimeFigureOut">
               <a:rPr lang="en-US" smtClean="0"/>
-              <a:t>10/21/2021</a:t>
+              <a:t>10/25/2021</a:t>
             </a:fld>
             <a:endParaRPr lang="en-US" dirty="0"/>
           </a:p>
@@ -2828,7 +2831,7 @@
             <a:fld id="{B61BEF0D-F0BB-DE4B-95CE-6DB70DBA9567}" type="datetimeFigureOut">
               <a:rPr lang="en-US" smtClean="0"/>
               <a:pPr/>
-              <a:t>10/21/2021</a:t>
+              <a:t>10/25/2021</a:t>
             </a:fld>
             <a:endParaRPr lang="en-US" dirty="0"/>
           </a:p>
@@ -3005,7 +3008,7 @@
           <a:p>
             <a:fld id="{42A54C80-263E-416B-A8E0-580EDEADCBDC}" type="datetimeFigureOut">
               <a:rPr lang="en-US" smtClean="0"/>
-              <a:t>10/21/2021</a:t>
+              <a:t>10/25/2021</a:t>
             </a:fld>
             <a:endParaRPr lang="en-US" dirty="0"/>
           </a:p>
@@ -3253,7 +3256,7 @@
             <a:fld id="{B61BEF0D-F0BB-DE4B-95CE-6DB70DBA9567}" type="datetimeFigureOut">
               <a:rPr lang="en-US" smtClean="0"/>
               <a:pPr/>
-              <a:t>10/21/2021</a:t>
+              <a:t>10/25/2021</a:t>
             </a:fld>
             <a:endParaRPr lang="en-US" dirty="0"/>
           </a:p>
@@ -3486,7 +3489,7 @@
           <a:p>
             <a:fld id="{42A54C80-263E-416B-A8E0-580EDEADCBDC}" type="datetimeFigureOut">
               <a:rPr lang="en-US" smtClean="0"/>
-              <a:t>10/21/2021</a:t>
+              <a:t>10/25/2021</a:t>
             </a:fld>
             <a:endParaRPr lang="en-US" dirty="0"/>
           </a:p>
@@ -3861,7 +3864,7 @@
             <a:fld id="{B61BEF0D-F0BB-DE4B-95CE-6DB70DBA9567}" type="datetimeFigureOut">
               <a:rPr lang="en-US" smtClean="0"/>
               <a:pPr/>
-              <a:t>10/21/2021</a:t>
+              <a:t>10/25/2021</a:t>
             </a:fld>
             <a:endParaRPr lang="en-US" dirty="0"/>
           </a:p>
@@ -3986,7 +3989,7 @@
             <a:fld id="{B61BEF0D-F0BB-DE4B-95CE-6DB70DBA9567}" type="datetimeFigureOut">
               <a:rPr lang="en-US" smtClean="0"/>
               <a:pPr/>
-              <a:t>10/21/2021</a:t>
+              <a:t>10/25/2021</a:t>
             </a:fld>
             <a:endParaRPr lang="en-US" dirty="0"/>
           </a:p>
@@ -4083,7 +4086,7 @@
             <a:fld id="{B61BEF0D-F0BB-DE4B-95CE-6DB70DBA9567}" type="datetimeFigureOut">
               <a:rPr lang="en-US" smtClean="0"/>
               <a:pPr/>
-              <a:t>10/21/2021</a:t>
+              <a:t>10/25/2021</a:t>
             </a:fld>
             <a:endParaRPr lang="en-US" dirty="0"/>
           </a:p>
@@ -4339,7 +4342,7 @@
           <a:p>
             <a:fld id="{42A54C80-263E-416B-A8E0-580EDEADCBDC}" type="datetimeFigureOut">
               <a:rPr lang="en-US" smtClean="0"/>
-              <a:t>10/21/2021</a:t>
+              <a:t>10/25/2021</a:t>
             </a:fld>
             <a:endParaRPr lang="en-US" dirty="0"/>
           </a:p>
@@ -4603,7 +4606,7 @@
             <a:fld id="{B61BEF0D-F0BB-DE4B-95CE-6DB70DBA9567}" type="datetimeFigureOut">
               <a:rPr lang="en-US" smtClean="0"/>
               <a:pPr/>
-              <a:t>10/21/2021</a:t>
+              <a:t>10/25/2021</a:t>
             </a:fld>
             <a:endParaRPr lang="en-US" dirty="0"/>
           </a:p>
@@ -5348,7 +5351,7 @@
             <a:fld id="{B61BEF0D-F0BB-DE4B-95CE-6DB70DBA9567}" type="datetimeFigureOut">
               <a:rPr lang="en-US" smtClean="0"/>
               <a:pPr/>
-              <a:t>10/21/2021</a:t>
+              <a:t>10/25/2021</a:t>
             </a:fld>
             <a:endParaRPr lang="en-US" dirty="0"/>
           </a:p>
@@ -8510,6 +8513,721 @@
 </p:sld>
 </file>
 
+<file path=ppt/slides/slide20.xml><?xml version="1.0" encoding="utf-8"?>
+<p:sld xmlns:a="http://schemas.openxmlformats.org/drawingml/2006/main" xmlns:r="http://schemas.openxmlformats.org/officeDocument/2006/relationships" xmlns:p="http://schemas.openxmlformats.org/presentationml/2006/main">
+  <p:cSld>
+    <p:spTree>
+      <p:nvGrpSpPr>
+        <p:cNvPr id="1" name=""/>
+        <p:cNvGrpSpPr/>
+        <p:nvPr/>
+      </p:nvGrpSpPr>
+      <p:grpSpPr>
+        <a:xfrm>
+          <a:off x="0" y="0"/>
+          <a:ext cx="0" cy="0"/>
+          <a:chOff x="0" y="0"/>
+          <a:chExt cx="0" cy="0"/>
+        </a:xfrm>
+      </p:grpSpPr>
+      <p:sp>
+        <p:nvSpPr>
+          <p:cNvPr id="2" name="Title 1">
+            <a:extLst>
+              <a:ext uri="{FF2B5EF4-FFF2-40B4-BE49-F238E27FC236}">
+                <a16:creationId xmlns:a16="http://schemas.microsoft.com/office/drawing/2014/main" id="{5EB0AABE-1CAE-4EC1-80D9-3EEF9BF9A4EE}"/>
+              </a:ext>
+            </a:extLst>
+          </p:cNvPr>
+          <p:cNvSpPr>
+            <a:spLocks noGrp="1"/>
+          </p:cNvSpPr>
+          <p:nvPr>
+            <p:ph type="title"/>
+          </p:nvPr>
+        </p:nvSpPr>
+        <p:spPr/>
+        <p:txBody>
+          <a:bodyPr/>
+          <a:lstStyle/>
+          <a:p>
+            <a:r>
+              <a:rPr lang="en-US" dirty="0"/>
+              <a:t>TYPES OF DERIVATIVES</a:t>
+            </a:r>
+            <a:br>
+              <a:rPr lang="en-US" dirty="0"/>
+            </a:br>
+            <a:r>
+              <a:rPr lang="en-US" i="1" dirty="0"/>
+              <a:t>Option</a:t>
+            </a:r>
+            <a:r>
+              <a:rPr lang="en-US" dirty="0"/>
+              <a:t> Contracts</a:t>
+            </a:r>
+          </a:p>
+        </p:txBody>
+      </p:sp>
+      <p:sp>
+        <p:nvSpPr>
+          <p:cNvPr id="3" name="Content Placeholder 2">
+            <a:extLst>
+              <a:ext uri="{FF2B5EF4-FFF2-40B4-BE49-F238E27FC236}">
+                <a16:creationId xmlns:a16="http://schemas.microsoft.com/office/drawing/2014/main" id="{A54AB833-2490-4D77-B3B4-3A3044CE47B9}"/>
+              </a:ext>
+            </a:extLst>
+          </p:cNvPr>
+          <p:cNvSpPr>
+            <a:spLocks noGrp="1"/>
+          </p:cNvSpPr>
+          <p:nvPr>
+            <p:ph idx="1"/>
+          </p:nvPr>
+        </p:nvSpPr>
+        <p:spPr/>
+        <p:txBody>
+          <a:bodyPr/>
+          <a:lstStyle/>
+          <a:p>
+            <a:r>
+              <a:rPr lang="en-US" dirty="0"/>
+              <a:t>Definition: An option is a derivative contract in which one party, the buyer, pays a sum of money to the other party, the seller or writer, and receives the right to either buy or sell an underlying asset at a fixed price either on a specific expiration date or at any time prior to the expiration date.</a:t>
+            </a:r>
+          </a:p>
+        </p:txBody>
+      </p:sp>
+    </p:spTree>
+    <p:extLst>
+      <p:ext uri="{BB962C8B-B14F-4D97-AF65-F5344CB8AC3E}">
+        <p14:creationId xmlns:p14="http://schemas.microsoft.com/office/powerpoint/2010/main" val="1082316828"/>
+      </p:ext>
+    </p:extLst>
+  </p:cSld>
+  <p:clrMapOvr>
+    <a:masterClrMapping/>
+  </p:clrMapOvr>
+</p:sld>
+</file>
+
+<file path=ppt/slides/slide21.xml><?xml version="1.0" encoding="utf-8"?>
+<p:sld xmlns:a="http://schemas.openxmlformats.org/drawingml/2006/main" xmlns:r="http://schemas.openxmlformats.org/officeDocument/2006/relationships" xmlns:p="http://schemas.openxmlformats.org/presentationml/2006/main">
+  <p:cSld>
+    <p:spTree>
+      <p:nvGrpSpPr>
+        <p:cNvPr id="1" name=""/>
+        <p:cNvGrpSpPr/>
+        <p:nvPr/>
+      </p:nvGrpSpPr>
+      <p:grpSpPr>
+        <a:xfrm>
+          <a:off x="0" y="0"/>
+          <a:ext cx="0" cy="0"/>
+          <a:chOff x="0" y="0"/>
+          <a:chExt cx="0" cy="0"/>
+        </a:xfrm>
+      </p:grpSpPr>
+      <p:sp>
+        <p:nvSpPr>
+          <p:cNvPr id="2" name="Title 1">
+            <a:extLst>
+              <a:ext uri="{FF2B5EF4-FFF2-40B4-BE49-F238E27FC236}">
+                <a16:creationId xmlns:a16="http://schemas.microsoft.com/office/drawing/2014/main" id="{096E0117-21B6-4AAB-91F2-B9AD0BE3F9A4}"/>
+              </a:ext>
+            </a:extLst>
+          </p:cNvPr>
+          <p:cNvSpPr>
+            <a:spLocks noGrp="1"/>
+          </p:cNvSpPr>
+          <p:nvPr>
+            <p:ph type="title"/>
+          </p:nvPr>
+        </p:nvSpPr>
+        <p:spPr/>
+        <p:txBody>
+          <a:bodyPr/>
+          <a:lstStyle/>
+          <a:p>
+            <a:r>
+              <a:rPr lang="en-US" dirty="0"/>
+              <a:t>TYPES OF DERIVATIVES</a:t>
+            </a:r>
+            <a:br>
+              <a:rPr lang="en-US" dirty="0"/>
+            </a:br>
+            <a:r>
+              <a:rPr lang="en-US" i="1" dirty="0"/>
+              <a:t>Option</a:t>
+            </a:r>
+            <a:r>
+              <a:rPr lang="en-US" dirty="0"/>
+              <a:t> Contracts</a:t>
+            </a:r>
+          </a:p>
+        </p:txBody>
+      </p:sp>
+      <p:sp>
+        <p:nvSpPr>
+          <p:cNvPr id="3" name="Content Placeholder 2">
+            <a:extLst>
+              <a:ext uri="{FF2B5EF4-FFF2-40B4-BE49-F238E27FC236}">
+                <a16:creationId xmlns:a16="http://schemas.microsoft.com/office/drawing/2014/main" id="{6ED5F0F9-17F4-4F5B-809B-7C296C504F71}"/>
+              </a:ext>
+            </a:extLst>
+          </p:cNvPr>
+          <p:cNvSpPr>
+            <a:spLocks noGrp="1"/>
+          </p:cNvSpPr>
+          <p:nvPr>
+            <p:ph idx="1"/>
+          </p:nvPr>
+        </p:nvSpPr>
+        <p:spPr/>
+        <p:txBody>
+          <a:bodyPr>
+            <a:normAutofit lnSpcReduction="10000"/>
+          </a:bodyPr>
+          <a:lstStyle/>
+          <a:p>
+            <a:r>
+              <a:rPr lang="en-US" dirty="0"/>
+              <a:t>The </a:t>
+            </a:r>
+            <a:r>
+              <a:rPr lang="en-US" dirty="0">
+                <a:solidFill>
+                  <a:srgbClr val="FF0000"/>
+                </a:solidFill>
+              </a:rPr>
+              <a:t>right to buy</a:t>
+            </a:r>
+            <a:r>
+              <a:rPr lang="en-US" dirty="0"/>
+              <a:t> is one type of option, referred to as a </a:t>
+            </a:r>
+            <a:r>
+              <a:rPr lang="en-US" b="1" dirty="0">
+                <a:solidFill>
+                  <a:srgbClr val="FF0000"/>
+                </a:solidFill>
+              </a:rPr>
+              <a:t>call </a:t>
+            </a:r>
+            <a:r>
+              <a:rPr lang="en-US" dirty="0">
+                <a:solidFill>
+                  <a:srgbClr val="FF0000"/>
+                </a:solidFill>
+              </a:rPr>
+              <a:t>or </a:t>
+            </a:r>
+            <a:r>
+              <a:rPr lang="en-US" b="1" dirty="0">
+                <a:solidFill>
+                  <a:srgbClr val="FF0000"/>
+                </a:solidFill>
+              </a:rPr>
+              <a:t>call option.</a:t>
+            </a:r>
+          </a:p>
+          <a:p>
+            <a:r>
+              <a:rPr lang="en-US" dirty="0"/>
+              <a:t>Long</a:t>
+            </a:r>
+            <a:r>
+              <a:rPr lang="zh-CN" altLang="en-US" dirty="0"/>
+              <a:t> </a:t>
+            </a:r>
+            <a:r>
+              <a:rPr lang="en-US" altLang="zh-CN" dirty="0"/>
+              <a:t>call:</a:t>
+            </a:r>
+            <a:r>
+              <a:rPr lang="zh-CN" altLang="en-US" dirty="0"/>
+              <a:t>花钱（吃饭洗桑拿）买入一个买资产（买可乐）的权力</a:t>
+            </a:r>
+            <a:endParaRPr lang="en-US" altLang="zh-CN" dirty="0"/>
+          </a:p>
+          <a:p>
+            <a:r>
+              <a:rPr lang="en-US" altLang="zh-CN" dirty="0"/>
+              <a:t>Short call</a:t>
+            </a:r>
+            <a:r>
+              <a:rPr lang="zh-CN" altLang="en-US" dirty="0"/>
+              <a:t>：收钱（吃饭洗桑拿）卖出一个买资产（买可乐）的权力</a:t>
+            </a:r>
+            <a:endParaRPr lang="en-US" altLang="zh-CN" dirty="0"/>
+          </a:p>
+          <a:p>
+            <a:endParaRPr lang="en-US" altLang="zh-CN" dirty="0"/>
+          </a:p>
+          <a:p>
+            <a:endParaRPr lang="en-US" altLang="zh-CN" dirty="0"/>
+          </a:p>
+          <a:p>
+            <a:endParaRPr lang="en-US" altLang="zh-CN" dirty="0"/>
+          </a:p>
+          <a:p>
+            <a:r>
+              <a:rPr lang="en-US" altLang="zh-CN" dirty="0">
+                <a:solidFill>
+                  <a:srgbClr val="FF0000"/>
+                </a:solidFill>
+              </a:rPr>
+              <a:t>Option premium</a:t>
+            </a:r>
+            <a:r>
+              <a:rPr lang="en-US" altLang="zh-CN" dirty="0"/>
+              <a:t>: t</a:t>
+            </a:r>
+            <a:r>
+              <a:rPr lang="en-US" dirty="0"/>
+              <a:t>he buyer pays the writer(seller) a sum of money called the </a:t>
+            </a:r>
+            <a:r>
+              <a:rPr lang="en-US" b="1" dirty="0"/>
+              <a:t>option premium</a:t>
+            </a:r>
+            <a:r>
+              <a:rPr lang="en-US" dirty="0"/>
+              <a:t>, or just the “premium.”</a:t>
+            </a:r>
+          </a:p>
+          <a:p>
+            <a:r>
+              <a:rPr lang="en-US" altLang="zh-CN" dirty="0"/>
+              <a:t>The fixed price at which the underlying asset can be purchased is called the </a:t>
+            </a:r>
+            <a:r>
+              <a:rPr lang="en-US" altLang="zh-CN" dirty="0">
+                <a:solidFill>
+                  <a:srgbClr val="FF0000"/>
+                </a:solidFill>
+              </a:rPr>
+              <a:t>exercise price </a:t>
+            </a:r>
+            <a:r>
+              <a:rPr lang="en-US" altLang="zh-CN" dirty="0"/>
+              <a:t>(also called the “strike price,” the “strike,” or the “striking price”).</a:t>
+            </a:r>
+          </a:p>
+          <a:p>
+            <a:endParaRPr lang="en-US" altLang="zh-CN" dirty="0"/>
+          </a:p>
+          <a:p>
+            <a:endParaRPr lang="en-US" altLang="zh-CN" dirty="0"/>
+          </a:p>
+          <a:p>
+            <a:endParaRPr lang="en-US" altLang="zh-CN" dirty="0"/>
+          </a:p>
+          <a:p>
+            <a:endParaRPr lang="en-US" dirty="0"/>
+          </a:p>
+          <a:p>
+            <a:endParaRPr lang="en-US" dirty="0"/>
+          </a:p>
+          <a:p>
+            <a:endParaRPr lang="en-US" dirty="0"/>
+          </a:p>
+          <a:p>
+            <a:endParaRPr lang="en-US" dirty="0"/>
+          </a:p>
+          <a:p>
+            <a:endParaRPr lang="en-US" dirty="0"/>
+          </a:p>
+        </p:txBody>
+      </p:sp>
+      <p:graphicFrame>
+        <p:nvGraphicFramePr>
+          <p:cNvPr id="4" name="Table 3">
+            <a:extLst>
+              <a:ext uri="{FF2B5EF4-FFF2-40B4-BE49-F238E27FC236}">
+                <a16:creationId xmlns:a16="http://schemas.microsoft.com/office/drawing/2014/main" id="{933F02FE-A9E6-47F2-B6A1-7324813CFA40}"/>
+              </a:ext>
+            </a:extLst>
+          </p:cNvPr>
+          <p:cNvGraphicFramePr>
+            <a:graphicFrameLocks noGrp="1"/>
+          </p:cNvGraphicFramePr>
+          <p:nvPr>
+            <p:extLst>
+              <p:ext uri="{D42A27DB-BD31-4B8C-83A1-F6EECF244321}">
+                <p14:modId xmlns:p14="http://schemas.microsoft.com/office/powerpoint/2010/main" val="2775969039"/>
+              </p:ext>
+            </p:extLst>
+          </p:nvPr>
+        </p:nvGraphicFramePr>
+        <p:xfrm>
+          <a:off x="1015999" y="3283857"/>
+          <a:ext cx="8127999" cy="1112520"/>
+        </p:xfrm>
+        <a:graphic>
+          <a:graphicData uri="http://schemas.openxmlformats.org/drawingml/2006/table">
+            <a:tbl>
+              <a:tblPr firstRow="1" bandRow="1">
+                <a:tableStyleId>{5C22544A-7EE6-4342-B048-85BDC9FD1C3A}</a:tableStyleId>
+              </a:tblPr>
+              <a:tblGrid>
+                <a:gridCol w="2709333">
+                  <a:extLst>
+                    <a:ext uri="{9D8B030D-6E8A-4147-A177-3AD203B41FA5}">
+                      <a16:colId xmlns:a16="http://schemas.microsoft.com/office/drawing/2014/main" val="3234738448"/>
+                    </a:ext>
+                  </a:extLst>
+                </a:gridCol>
+                <a:gridCol w="2709333">
+                  <a:extLst>
+                    <a:ext uri="{9D8B030D-6E8A-4147-A177-3AD203B41FA5}">
+                      <a16:colId xmlns:a16="http://schemas.microsoft.com/office/drawing/2014/main" val="3119975736"/>
+                    </a:ext>
+                  </a:extLst>
+                </a:gridCol>
+                <a:gridCol w="2709333">
+                  <a:extLst>
+                    <a:ext uri="{9D8B030D-6E8A-4147-A177-3AD203B41FA5}">
+                      <a16:colId xmlns:a16="http://schemas.microsoft.com/office/drawing/2014/main" val="4057656665"/>
+                    </a:ext>
+                  </a:extLst>
+                </a:gridCol>
+              </a:tblGrid>
+              <a:tr h="370840">
+                <a:tc>
+                  <a:txBody>
+                    <a:bodyPr/>
+                    <a:lstStyle/>
+                    <a:p>
+                      <a:endParaRPr lang="en-US" dirty="0"/>
+                    </a:p>
+                  </a:txBody>
+                  <a:tcPr/>
+                </a:tc>
+                <a:tc>
+                  <a:txBody>
+                    <a:bodyPr/>
+                    <a:lstStyle/>
+                    <a:p>
+                      <a:r>
+                        <a:rPr lang="en-US" altLang="zh-CN" dirty="0"/>
+                        <a:t>option</a:t>
+                      </a:r>
+                      <a:endParaRPr lang="en-US" dirty="0"/>
+                    </a:p>
+                  </a:txBody>
+                  <a:tcPr/>
+                </a:tc>
+                <a:tc>
+                  <a:txBody>
+                    <a:bodyPr/>
+                    <a:lstStyle/>
+                    <a:p>
+                      <a:r>
+                        <a:rPr lang="en-US" altLang="zh-CN" dirty="0"/>
+                        <a:t>obligation</a:t>
+                      </a:r>
+                      <a:endParaRPr lang="en-US" dirty="0"/>
+                    </a:p>
+                  </a:txBody>
+                  <a:tcPr/>
+                </a:tc>
+                <a:extLst>
+                  <a:ext uri="{0D108BD9-81ED-4DB2-BD59-A6C34878D82A}">
+                    <a16:rowId xmlns:a16="http://schemas.microsoft.com/office/drawing/2014/main" val="2852345688"/>
+                  </a:ext>
+                </a:extLst>
+              </a:tr>
+              <a:tr h="370840">
+                <a:tc>
+                  <a:txBody>
+                    <a:bodyPr/>
+                    <a:lstStyle/>
+                    <a:p>
+                      <a:r>
+                        <a:rPr lang="zh-CN" altLang="en-US" dirty="0"/>
+                        <a:t>我</a:t>
+                      </a:r>
+                      <a:endParaRPr lang="en-US" dirty="0"/>
+                    </a:p>
+                  </a:txBody>
+                  <a:tcPr/>
+                </a:tc>
+                <a:tc>
+                  <a:txBody>
+                    <a:bodyPr/>
+                    <a:lstStyle/>
+                    <a:p>
+                      <a:r>
+                        <a:rPr lang="en-US" altLang="zh-CN" dirty="0"/>
+                        <a:t>Call buyer/</a:t>
+                      </a:r>
+                      <a:r>
+                        <a:rPr lang="en-US" altLang="zh-CN" dirty="0">
+                          <a:solidFill>
+                            <a:srgbClr val="FF0000"/>
+                          </a:solidFill>
+                        </a:rPr>
+                        <a:t>long call</a:t>
+                      </a:r>
+                      <a:endParaRPr lang="en-US" dirty="0">
+                        <a:solidFill>
+                          <a:srgbClr val="FF0000"/>
+                        </a:solidFill>
+                      </a:endParaRPr>
+                    </a:p>
+                  </a:txBody>
+                  <a:tcPr/>
+                </a:tc>
+                <a:tc>
+                  <a:txBody>
+                    <a:bodyPr/>
+                    <a:lstStyle/>
+                    <a:p>
+                      <a:endParaRPr lang="en-US" dirty="0"/>
+                    </a:p>
+                  </a:txBody>
+                  <a:tcPr/>
+                </a:tc>
+                <a:extLst>
+                  <a:ext uri="{0D108BD9-81ED-4DB2-BD59-A6C34878D82A}">
+                    <a16:rowId xmlns:a16="http://schemas.microsoft.com/office/drawing/2014/main" val="1662723549"/>
+                  </a:ext>
+                </a:extLst>
+              </a:tr>
+              <a:tr h="370840">
+                <a:tc>
+                  <a:txBody>
+                    <a:bodyPr/>
+                    <a:lstStyle/>
+                    <a:p>
+                      <a:r>
+                        <a:rPr lang="zh-CN" altLang="en-US" dirty="0"/>
+                        <a:t>杂货店老板</a:t>
+                      </a:r>
+                      <a:endParaRPr lang="en-US" dirty="0"/>
+                    </a:p>
+                  </a:txBody>
+                  <a:tcPr/>
+                </a:tc>
+                <a:tc>
+                  <a:txBody>
+                    <a:bodyPr/>
+                    <a:lstStyle/>
+                    <a:p>
+                      <a:endParaRPr lang="en-US"/>
+                    </a:p>
+                  </a:txBody>
+                  <a:tcPr/>
+                </a:tc>
+                <a:tc>
+                  <a:txBody>
+                    <a:bodyPr/>
+                    <a:lstStyle/>
+                    <a:p>
+                      <a:r>
+                        <a:rPr lang="en-US" altLang="zh-CN" dirty="0"/>
+                        <a:t>Call seller/</a:t>
+                      </a:r>
+                      <a:r>
+                        <a:rPr lang="en-US" altLang="zh-CN" dirty="0">
+                          <a:solidFill>
+                            <a:srgbClr val="FF0000"/>
+                          </a:solidFill>
+                        </a:rPr>
+                        <a:t>short call</a:t>
+                      </a:r>
+                      <a:endParaRPr lang="en-US" dirty="0">
+                        <a:solidFill>
+                          <a:srgbClr val="FF0000"/>
+                        </a:solidFill>
+                      </a:endParaRPr>
+                    </a:p>
+                  </a:txBody>
+                  <a:tcPr/>
+                </a:tc>
+                <a:extLst>
+                  <a:ext uri="{0D108BD9-81ED-4DB2-BD59-A6C34878D82A}">
+                    <a16:rowId xmlns:a16="http://schemas.microsoft.com/office/drawing/2014/main" val="2321793302"/>
+                  </a:ext>
+                </a:extLst>
+              </a:tr>
+            </a:tbl>
+          </a:graphicData>
+        </a:graphic>
+      </p:graphicFrame>
+    </p:spTree>
+    <p:extLst>
+      <p:ext uri="{BB962C8B-B14F-4D97-AF65-F5344CB8AC3E}">
+        <p14:creationId xmlns:p14="http://schemas.microsoft.com/office/powerpoint/2010/main" val="945444521"/>
+      </p:ext>
+    </p:extLst>
+  </p:cSld>
+  <p:clrMapOvr>
+    <a:masterClrMapping/>
+  </p:clrMapOvr>
+</p:sld>
+</file>
+
+<file path=ppt/slides/slide22.xml><?xml version="1.0" encoding="utf-8"?>
+<p:sld xmlns:a="http://schemas.openxmlformats.org/drawingml/2006/main" xmlns:r="http://schemas.openxmlformats.org/officeDocument/2006/relationships" xmlns:p="http://schemas.openxmlformats.org/presentationml/2006/main">
+  <p:cSld>
+    <p:spTree>
+      <p:nvGrpSpPr>
+        <p:cNvPr id="1" name=""/>
+        <p:cNvGrpSpPr/>
+        <p:nvPr/>
+      </p:nvGrpSpPr>
+      <p:grpSpPr>
+        <a:xfrm>
+          <a:off x="0" y="0"/>
+          <a:ext cx="0" cy="0"/>
+          <a:chOff x="0" y="0"/>
+          <a:chExt cx="0" cy="0"/>
+        </a:xfrm>
+      </p:grpSpPr>
+      <p:sp>
+        <p:nvSpPr>
+          <p:cNvPr id="2" name="Title 1">
+            <a:extLst>
+              <a:ext uri="{FF2B5EF4-FFF2-40B4-BE49-F238E27FC236}">
+                <a16:creationId xmlns:a16="http://schemas.microsoft.com/office/drawing/2014/main" id="{BBF000CD-254A-4A31-8871-51870AC43C86}"/>
+              </a:ext>
+            </a:extLst>
+          </p:cNvPr>
+          <p:cNvSpPr>
+            <a:spLocks noGrp="1"/>
+          </p:cNvSpPr>
+          <p:nvPr>
+            <p:ph type="title"/>
+          </p:nvPr>
+        </p:nvSpPr>
+        <p:spPr/>
+        <p:txBody>
+          <a:bodyPr/>
+          <a:lstStyle/>
+          <a:p>
+            <a:r>
+              <a:rPr lang="en-US" dirty="0"/>
+              <a:t>TYPES OF DERIVATIVES</a:t>
+            </a:r>
+            <a:br>
+              <a:rPr lang="en-US" dirty="0"/>
+            </a:br>
+            <a:r>
+              <a:rPr lang="en-US" i="1" dirty="0"/>
+              <a:t>Option</a:t>
+            </a:r>
+            <a:r>
+              <a:rPr lang="en-US" dirty="0"/>
+              <a:t> Contracts</a:t>
+            </a:r>
+          </a:p>
+        </p:txBody>
+      </p:sp>
+      <p:sp>
+        <p:nvSpPr>
+          <p:cNvPr id="3" name="Content Placeholder 2">
+            <a:extLst>
+              <a:ext uri="{FF2B5EF4-FFF2-40B4-BE49-F238E27FC236}">
+                <a16:creationId xmlns:a16="http://schemas.microsoft.com/office/drawing/2014/main" id="{98371D75-5726-44FF-9C53-CF8BBD3F53D7}"/>
+              </a:ext>
+            </a:extLst>
+          </p:cNvPr>
+          <p:cNvSpPr>
+            <a:spLocks noGrp="1"/>
+          </p:cNvSpPr>
+          <p:nvPr>
+            <p:ph idx="1"/>
+          </p:nvPr>
+        </p:nvSpPr>
+        <p:spPr/>
+        <p:txBody>
+          <a:bodyPr/>
+          <a:lstStyle/>
+          <a:p>
+            <a:r>
+              <a:rPr lang="en-US" altLang="zh-CN" dirty="0"/>
+              <a:t>Payoff of call option</a:t>
+            </a:r>
+          </a:p>
+          <a:p>
+            <a:endParaRPr lang="en-US" dirty="0"/>
+          </a:p>
+        </p:txBody>
+      </p:sp>
+      <p:pic>
+        <p:nvPicPr>
+          <p:cNvPr id="5" name="Picture 4">
+            <a:extLst>
+              <a:ext uri="{FF2B5EF4-FFF2-40B4-BE49-F238E27FC236}">
+                <a16:creationId xmlns:a16="http://schemas.microsoft.com/office/drawing/2014/main" id="{1D5D72DB-0BD7-4CA5-BC19-AE4F30456952}"/>
+              </a:ext>
+            </a:extLst>
+          </p:cNvPr>
+          <p:cNvPicPr>
+            <a:picLocks noChangeAspect="1"/>
+          </p:cNvPicPr>
+          <p:nvPr/>
+        </p:nvPicPr>
+        <p:blipFill>
+          <a:blip r:embed="rId2"/>
+          <a:stretch>
+            <a:fillRect/>
+          </a:stretch>
+        </p:blipFill>
+        <p:spPr>
+          <a:xfrm>
+            <a:off x="1238249" y="2852057"/>
+            <a:ext cx="3203121" cy="3864082"/>
+          </a:xfrm>
+          <a:prstGeom prst="rect">
+            <a:avLst/>
+          </a:prstGeom>
+        </p:spPr>
+      </p:pic>
+      <p:pic>
+        <p:nvPicPr>
+          <p:cNvPr id="7" name="Picture 6">
+            <a:extLst>
+              <a:ext uri="{FF2B5EF4-FFF2-40B4-BE49-F238E27FC236}">
+                <a16:creationId xmlns:a16="http://schemas.microsoft.com/office/drawing/2014/main" id="{F2CB171A-5AF5-40C4-8091-43264F6014C5}"/>
+              </a:ext>
+            </a:extLst>
+          </p:cNvPr>
+          <p:cNvPicPr>
+            <a:picLocks noChangeAspect="1"/>
+          </p:cNvPicPr>
+          <p:nvPr/>
+        </p:nvPicPr>
+        <p:blipFill>
+          <a:blip r:embed="rId3"/>
+          <a:stretch>
+            <a:fillRect/>
+          </a:stretch>
+        </p:blipFill>
+        <p:spPr>
+          <a:xfrm>
+            <a:off x="5002285" y="2805194"/>
+            <a:ext cx="3203121" cy="3927636"/>
+          </a:xfrm>
+          <a:prstGeom prst="rect">
+            <a:avLst/>
+          </a:prstGeom>
+        </p:spPr>
+      </p:pic>
+    </p:spTree>
+    <p:extLst>
+      <p:ext uri="{BB962C8B-B14F-4D97-AF65-F5344CB8AC3E}">
+        <p14:creationId xmlns:p14="http://schemas.microsoft.com/office/powerpoint/2010/main" val="2905730659"/>
+      </p:ext>
+    </p:extLst>
+  </p:cSld>
+  <p:clrMapOvr>
+    <a:masterClrMapping/>
+  </p:clrMapOvr>
+</p:sld>
+</file>
+
 <file path=ppt/slides/slide3.xml><?xml version="1.0" encoding="utf-8"?>
 <p:sld xmlns:a="http://schemas.openxmlformats.org/drawingml/2006/main" xmlns:r="http://schemas.openxmlformats.org/officeDocument/2006/relationships" xmlns:p="http://schemas.openxmlformats.org/presentationml/2006/main">
   <p:cSld>
@@ -8667,7 +9385,11 @@
           <a:p>
             <a:pPr lvl="1"/>
             <a:r>
-              <a:rPr lang="en-US" dirty="0"/>
+              <a:rPr lang="en-US" dirty="0">
+                <a:solidFill>
+                  <a:schemeClr val="tx1"/>
+                </a:solidFill>
+              </a:rPr>
               <a:t>Forward</a:t>
             </a:r>
           </a:p>
